--- a/120/NETCONF/draft-tgraf-netconf-notif-sequencing-06.pptx
+++ b/120/NETCONF/draft-tgraf-netconf-notif-sequencing-06.pptx
@@ -694,7 +694,7 @@
           <a:p>
             <a:fld id="{E5E705E9-673F-4AC4-B29E-A7B26F3B8523}" type="datetimeFigureOut">
               <a:rPr lang="de-CH" smtClean="0"/>
-              <a:t>12.07.2024</a:t>
+              <a:t>17.07.2024</a:t>
             </a:fld>
             <a:endParaRPr lang="de-CH"/>
           </a:p>
@@ -1363,7 +1363,7 @@
           <a:p>
             <a:fld id="{9E9B238C-2335-4007-98C9-471C02CC43B6}" type="datetimeFigureOut">
               <a:rPr lang="de-CH" smtClean="0"/>
-              <a:t>12.07.2024</a:t>
+              <a:t>17.07.2024</a:t>
             </a:fld>
             <a:endParaRPr lang="de-CH"/>
           </a:p>
@@ -1563,7 +1563,7 @@
           <a:p>
             <a:fld id="{9E9B238C-2335-4007-98C9-471C02CC43B6}" type="datetimeFigureOut">
               <a:rPr lang="de-CH" smtClean="0"/>
-              <a:t>12.07.2024</a:t>
+              <a:t>17.07.2024</a:t>
             </a:fld>
             <a:endParaRPr lang="de-CH"/>
           </a:p>
@@ -1773,7 +1773,7 @@
           <a:p>
             <a:fld id="{9E9B238C-2335-4007-98C9-471C02CC43B6}" type="datetimeFigureOut">
               <a:rPr lang="de-CH" smtClean="0"/>
-              <a:t>12.07.2024</a:t>
+              <a:t>17.07.2024</a:t>
             </a:fld>
             <a:endParaRPr lang="de-CH"/>
           </a:p>
@@ -2202,7 +2202,7 @@
           <a:p>
             <a:fld id="{9E9B238C-2335-4007-98C9-471C02CC43B6}" type="datetimeFigureOut">
               <a:rPr lang="de-CH" smtClean="0"/>
-              <a:t>12.07.2024</a:t>
+              <a:t>17.07.2024</a:t>
             </a:fld>
             <a:endParaRPr lang="de-CH"/>
           </a:p>
@@ -2478,7 +2478,7 @@
           <a:p>
             <a:fld id="{9E9B238C-2335-4007-98C9-471C02CC43B6}" type="datetimeFigureOut">
               <a:rPr lang="de-CH" smtClean="0"/>
-              <a:t>12.07.2024</a:t>
+              <a:t>17.07.2024</a:t>
             </a:fld>
             <a:endParaRPr lang="de-CH"/>
           </a:p>
@@ -2746,7 +2746,7 @@
           <a:p>
             <a:fld id="{9E9B238C-2335-4007-98C9-471C02CC43B6}" type="datetimeFigureOut">
               <a:rPr lang="de-CH" smtClean="0"/>
-              <a:t>12.07.2024</a:t>
+              <a:t>17.07.2024</a:t>
             </a:fld>
             <a:endParaRPr lang="de-CH"/>
           </a:p>
@@ -3161,7 +3161,7 @@
           <a:p>
             <a:fld id="{9E9B238C-2335-4007-98C9-471C02CC43B6}" type="datetimeFigureOut">
               <a:rPr lang="de-CH" smtClean="0"/>
-              <a:t>12.07.2024</a:t>
+              <a:t>17.07.2024</a:t>
             </a:fld>
             <a:endParaRPr lang="de-CH"/>
           </a:p>
@@ -3303,7 +3303,7 @@
           <a:p>
             <a:fld id="{9E9B238C-2335-4007-98C9-471C02CC43B6}" type="datetimeFigureOut">
               <a:rPr lang="de-CH" smtClean="0"/>
-              <a:t>12.07.2024</a:t>
+              <a:t>17.07.2024</a:t>
             </a:fld>
             <a:endParaRPr lang="de-CH"/>
           </a:p>
@@ -3416,7 +3416,7 @@
           <a:p>
             <a:fld id="{9E9B238C-2335-4007-98C9-471C02CC43B6}" type="datetimeFigureOut">
               <a:rPr lang="de-CH" smtClean="0"/>
-              <a:t>12.07.2024</a:t>
+              <a:t>17.07.2024</a:t>
             </a:fld>
             <a:endParaRPr lang="de-CH"/>
           </a:p>
@@ -3729,7 +3729,7 @@
           <a:p>
             <a:fld id="{9E9B238C-2335-4007-98C9-471C02CC43B6}" type="datetimeFigureOut">
               <a:rPr lang="de-CH" smtClean="0"/>
-              <a:t>12.07.2024</a:t>
+              <a:t>17.07.2024</a:t>
             </a:fld>
             <a:endParaRPr lang="de-CH"/>
           </a:p>
@@ -4018,7 +4018,7 @@
           <a:p>
             <a:fld id="{9E9B238C-2335-4007-98C9-471C02CC43B6}" type="datetimeFigureOut">
               <a:rPr lang="de-CH" smtClean="0"/>
-              <a:t>12.07.2024</a:t>
+              <a:t>17.07.2024</a:t>
             </a:fld>
             <a:endParaRPr lang="de-CH"/>
           </a:p>
@@ -4261,7 +4261,7 @@
           <a:p>
             <a:fld id="{9E9B238C-2335-4007-98C9-471C02CC43B6}" type="datetimeFigureOut">
               <a:rPr lang="de-CH" smtClean="0"/>
-              <a:t>12.07.2024</a:t>
+              <a:t>17.07.2024</a:t>
             </a:fld>
             <a:endParaRPr lang="de-CH"/>
           </a:p>
@@ -5132,7 +5132,7 @@
               <a:rPr lang="de-CH" sz="3800" dirty="0">
                 <a:latin typeface="+mj-lt"/>
               </a:rPr>
-              <a:t>12. </a:t>
+              <a:t>17. </a:t>
             </a:r>
             <a:r>
               <a:rPr lang="de-CH" sz="3800" dirty="0" err="1">
@@ -5204,8 +5204,8 @@
         </p:nvSpPr>
         <p:spPr>
           <a:xfrm>
-            <a:off x="838200" y="1544102"/>
-            <a:ext cx="4909457" cy="1077603"/>
+            <a:off x="259702" y="1544102"/>
+            <a:ext cx="6644951" cy="1406924"/>
           </a:xfrm>
           <a:prstGeom prst="rect">
             <a:avLst/>
@@ -5254,7 +5254,7 @@
                 <a:ea typeface="Calibri" panose="020F0502020204030204" pitchFamily="34" charset="0"/>
                 <a:cs typeface="Courier New" panose="02070309020205020404" pitchFamily="49" charset="0"/>
               </a:rPr>
-              <a:t>-notification</a:t>
+              <a:t>-notification-sequencing</a:t>
             </a:r>
           </a:p>
           <a:p>
@@ -5295,7 +5295,43 @@
                 <a:ea typeface="Calibri" panose="020F0502020204030204" pitchFamily="34" charset="0"/>
                 <a:cs typeface="Courier New" panose="02070309020205020404" pitchFamily="49" charset="0"/>
               </a:rPr>
-              <a:t>  structure notification:</a:t>
+              <a:t>  augment /</a:t>
+            </a:r>
+            <a:r>
+              <a:rPr lang="en-US" sz="1000" dirty="0" err="1">
+                <a:effectLst/>
+                <a:latin typeface="Courier New" panose="02070309020205020404" pitchFamily="49" charset="0"/>
+                <a:ea typeface="Calibri" panose="020F0502020204030204" pitchFamily="34" charset="0"/>
+                <a:cs typeface="Courier New" panose="02070309020205020404" pitchFamily="49" charset="0"/>
+              </a:rPr>
+              <a:t>sysc:system-capabilities</a:t>
+            </a:r>
+            <a:r>
+              <a:rPr lang="en-US" sz="1000" dirty="0">
+                <a:effectLst/>
+                <a:latin typeface="Courier New" panose="02070309020205020404" pitchFamily="49" charset="0"/>
+                <a:ea typeface="Calibri" panose="020F0502020204030204" pitchFamily="34" charset="0"/>
+                <a:cs typeface="Courier New" panose="02070309020205020404" pitchFamily="49" charset="0"/>
+              </a:rPr>
+              <a:t>/</a:t>
+            </a:r>
+            <a:r>
+              <a:rPr lang="en-US" sz="1000" dirty="0" err="1">
+                <a:effectLst/>
+                <a:latin typeface="Courier New" panose="02070309020205020404" pitchFamily="49" charset="0"/>
+                <a:ea typeface="Calibri" panose="020F0502020204030204" pitchFamily="34" charset="0"/>
+                <a:cs typeface="Courier New" panose="02070309020205020404" pitchFamily="49" charset="0"/>
+              </a:rPr>
+              <a:t>notc:subscription-capabilities</a:t>
+            </a:r>
+            <a:r>
+              <a:rPr lang="en-US" sz="1000" dirty="0">
+                <a:effectLst/>
+                <a:latin typeface="Courier New" panose="02070309020205020404" pitchFamily="49" charset="0"/>
+                <a:ea typeface="Calibri" panose="020F0502020204030204" pitchFamily="34" charset="0"/>
+                <a:cs typeface="Courier New" panose="02070309020205020404" pitchFamily="49" charset="0"/>
+              </a:rPr>
+              <a:t>:</a:t>
             </a:r>
           </a:p>
           <a:p>
@@ -5317,7 +5353,7 @@
                 <a:ea typeface="Calibri" panose="020F0502020204030204" pitchFamily="34" charset="0"/>
                 <a:cs typeface="Courier New" panose="02070309020205020404" pitchFamily="49" charset="0"/>
               </a:rPr>
-              <a:t>    +-- </a:t>
+              <a:t>    +--</a:t>
             </a:r>
             <a:r>
               <a:rPr lang="en-US" sz="1000" dirty="0" err="1">
@@ -5326,7 +5362,7 @@
                 <a:ea typeface="Calibri" panose="020F0502020204030204" pitchFamily="34" charset="0"/>
                 <a:cs typeface="Courier New" panose="02070309020205020404" pitchFamily="49" charset="0"/>
               </a:rPr>
-              <a:t>eventTime</a:t>
+              <a:t>ro</a:t>
             </a:r>
             <a:r>
               <a:rPr lang="en-US" sz="1000" dirty="0">
@@ -5335,7 +5371,7 @@
                 <a:ea typeface="Calibri" panose="020F0502020204030204" pitchFamily="34" charset="0"/>
                 <a:cs typeface="Courier New" panose="02070309020205020404" pitchFamily="49" charset="0"/>
               </a:rPr>
-              <a:t>                          </a:t>
+              <a:t> </a:t>
             </a:r>
             <a:r>
               <a:rPr lang="en-US" sz="1000" dirty="0" err="1">
@@ -5344,14 +5380,35 @@
                 <a:ea typeface="Calibri" panose="020F0502020204030204" pitchFamily="34" charset="0"/>
                 <a:cs typeface="Courier New" panose="02070309020205020404" pitchFamily="49" charset="0"/>
               </a:rPr>
-              <a:t>yang:date-and-time</a:t>
-            </a:r>
-            <a:endParaRPr lang="en-US" sz="1000" dirty="0">
-              <a:effectLst/>
-              <a:latin typeface="Courier New" panose="02070309020205020404" pitchFamily="49" charset="0"/>
-              <a:ea typeface="Calibri" panose="020F0502020204030204" pitchFamily="34" charset="0"/>
-              <a:cs typeface="Courier New" panose="02070309020205020404" pitchFamily="49" charset="0"/>
-            </a:endParaRPr>
+              <a:t>sysname</a:t>
+            </a:r>
+            <a:r>
+              <a:rPr lang="en-US" sz="1000" dirty="0">
+                <a:effectLst/>
+                <a:latin typeface="Courier New" panose="02070309020205020404" pitchFamily="49" charset="0"/>
+                <a:ea typeface="Calibri" panose="020F0502020204030204" pitchFamily="34" charset="0"/>
+                <a:cs typeface="Courier New" panose="02070309020205020404" pitchFamily="49" charset="0"/>
+              </a:rPr>
+              <a:t>-sequence-supported?   notification-support {</a:t>
+            </a:r>
+            <a:r>
+              <a:rPr lang="en-US" sz="1000" dirty="0" err="1">
+                <a:effectLst/>
+                <a:latin typeface="Courier New" panose="02070309020205020404" pitchFamily="49" charset="0"/>
+                <a:ea typeface="Calibri" panose="020F0502020204030204" pitchFamily="34" charset="0"/>
+                <a:cs typeface="Courier New" panose="02070309020205020404" pitchFamily="49" charset="0"/>
+              </a:rPr>
+              <a:t>sysname</a:t>
+            </a:r>
+            <a:r>
+              <a:rPr lang="en-US" sz="1000" dirty="0">
+                <a:effectLst/>
+                <a:latin typeface="Courier New" panose="02070309020205020404" pitchFamily="49" charset="0"/>
+                <a:ea typeface="Calibri" panose="020F0502020204030204" pitchFamily="34" charset="0"/>
+                <a:cs typeface="Courier New" panose="02070309020205020404" pitchFamily="49" charset="0"/>
+              </a:rPr>
+              <a:t>-sequence}?</a:t>
+            </a:r>
           </a:p>
           <a:p>
             <a:pPr marL="0" marR="0">
@@ -5365,42 +5422,6 @@
                 <a:spcPts val="0"/>
               </a:spcAft>
             </a:pPr>
-            <a:r>
-              <a:rPr lang="en-US" sz="1000" dirty="0">
-                <a:effectLst/>
-                <a:latin typeface="Courier New" panose="02070309020205020404" pitchFamily="49" charset="0"/>
-                <a:ea typeface="Calibri" panose="020F0502020204030204" pitchFamily="34" charset="0"/>
-                <a:cs typeface="Courier New" panose="02070309020205020404" pitchFamily="49" charset="0"/>
-              </a:rPr>
-              <a:t>    +-- </a:t>
-            </a:r>
-            <a:r>
-              <a:rPr lang="en-US" sz="1000" dirty="0" err="1">
-                <a:effectLst/>
-                <a:latin typeface="Courier New" panose="02070309020205020404" pitchFamily="49" charset="0"/>
-                <a:ea typeface="Calibri" panose="020F0502020204030204" pitchFamily="34" charset="0"/>
-                <a:cs typeface="Courier New" panose="02070309020205020404" pitchFamily="49" charset="0"/>
-              </a:rPr>
-              <a:t>inotifseq:sysName</a:t>
-            </a:r>
-            <a:r>
-              <a:rPr lang="en-US" sz="1000" dirty="0">
-                <a:effectLst/>
-                <a:latin typeface="Courier New" panose="02070309020205020404" pitchFamily="49" charset="0"/>
-                <a:ea typeface="Calibri" panose="020F0502020204030204" pitchFamily="34" charset="0"/>
-                <a:cs typeface="Courier New" panose="02070309020205020404" pitchFamily="49" charset="0"/>
-              </a:rPr>
-              <a:t>                  </a:t>
-            </a:r>
-            <a:r>
-              <a:rPr lang="en-US" sz="1000" dirty="0" err="1">
-                <a:effectLst/>
-                <a:latin typeface="Courier New" panose="02070309020205020404" pitchFamily="49" charset="0"/>
-                <a:ea typeface="Calibri" panose="020F0502020204030204" pitchFamily="34" charset="0"/>
-                <a:cs typeface="Courier New" panose="02070309020205020404" pitchFamily="49" charset="0"/>
-              </a:rPr>
-              <a:t>inet:host</a:t>
-            </a:r>
             <a:endParaRPr lang="en-US" sz="1000" dirty="0">
               <a:effectLst/>
               <a:latin typeface="Courier New" panose="02070309020205020404" pitchFamily="49" charset="0"/>
@@ -5427,7 +5448,7 @@
                 <a:ea typeface="Calibri" panose="020F0502020204030204" pitchFamily="34" charset="0"/>
                 <a:cs typeface="Courier New" panose="02070309020205020404" pitchFamily="49" charset="0"/>
               </a:rPr>
-              <a:t>    +-- </a:t>
+              <a:t>  augment-structure /</a:t>
             </a:r>
             <a:r>
               <a:rPr lang="en-US" sz="1000" dirty="0" err="1">
@@ -5436,7 +5457,7 @@
                 <a:ea typeface="Calibri" panose="020F0502020204030204" pitchFamily="34" charset="0"/>
                 <a:cs typeface="Courier New" panose="02070309020205020404" pitchFamily="49" charset="0"/>
               </a:rPr>
-              <a:t>inotifseq:sequenceNumber</a:t>
+              <a:t>inotif:notification</a:t>
             </a:r>
             <a:r>
               <a:rPr lang="en-US" sz="1000" dirty="0">
@@ -5445,7 +5466,102 @@
                 <a:ea typeface="Calibri" panose="020F0502020204030204" pitchFamily="34" charset="0"/>
                 <a:cs typeface="Courier New" panose="02070309020205020404" pitchFamily="49" charset="0"/>
               </a:rPr>
-              <a:t>           yang:counter32</a:t>
+              <a:t>:</a:t>
+            </a:r>
+          </a:p>
+          <a:p>
+            <a:pPr marL="0" marR="0">
+              <a:lnSpc>
+                <a:spcPct val="107000"/>
+              </a:lnSpc>
+              <a:spcBef>
+                <a:spcPts val="0"/>
+              </a:spcBef>
+              <a:spcAft>
+                <a:spcPts val="0"/>
+              </a:spcAft>
+            </a:pPr>
+            <a:r>
+              <a:rPr lang="en-US" sz="1000" dirty="0">
+                <a:effectLst/>
+                <a:latin typeface="Courier New" panose="02070309020205020404" pitchFamily="49" charset="0"/>
+                <a:ea typeface="Calibri" panose="020F0502020204030204" pitchFamily="34" charset="0"/>
+                <a:cs typeface="Courier New" panose="02070309020205020404" pitchFamily="49" charset="0"/>
+              </a:rPr>
+              <a:t>    +-- </a:t>
+            </a:r>
+            <a:r>
+              <a:rPr lang="en-US" sz="1000" dirty="0" err="1">
+                <a:effectLst/>
+                <a:latin typeface="Courier New" panose="02070309020205020404" pitchFamily="49" charset="0"/>
+                <a:ea typeface="Calibri" panose="020F0502020204030204" pitchFamily="34" charset="0"/>
+                <a:cs typeface="Courier New" panose="02070309020205020404" pitchFamily="49" charset="0"/>
+              </a:rPr>
+              <a:t>sysName</a:t>
+            </a:r>
+            <a:r>
+              <a:rPr lang="en-US" sz="1000" dirty="0">
+                <a:effectLst/>
+                <a:latin typeface="Courier New" panose="02070309020205020404" pitchFamily="49" charset="0"/>
+                <a:ea typeface="Calibri" panose="020F0502020204030204" pitchFamily="34" charset="0"/>
+                <a:cs typeface="Courier New" panose="02070309020205020404" pitchFamily="49" charset="0"/>
+              </a:rPr>
+              <a:t>           </a:t>
+            </a:r>
+            <a:r>
+              <a:rPr lang="en-US" sz="1000" dirty="0" err="1">
+                <a:effectLst/>
+                <a:latin typeface="Courier New" panose="02070309020205020404" pitchFamily="49" charset="0"/>
+                <a:ea typeface="Calibri" panose="020F0502020204030204" pitchFamily="34" charset="0"/>
+                <a:cs typeface="Courier New" panose="02070309020205020404" pitchFamily="49" charset="0"/>
+              </a:rPr>
+              <a:t>inet:host</a:t>
+            </a:r>
+            <a:endParaRPr lang="en-US" sz="1000" dirty="0">
+              <a:effectLst/>
+              <a:latin typeface="Courier New" panose="02070309020205020404" pitchFamily="49" charset="0"/>
+              <a:ea typeface="Calibri" panose="020F0502020204030204" pitchFamily="34" charset="0"/>
+              <a:cs typeface="Courier New" panose="02070309020205020404" pitchFamily="49" charset="0"/>
+            </a:endParaRPr>
+          </a:p>
+          <a:p>
+            <a:pPr marL="0" marR="0">
+              <a:lnSpc>
+                <a:spcPct val="107000"/>
+              </a:lnSpc>
+              <a:spcBef>
+                <a:spcPts val="0"/>
+              </a:spcBef>
+              <a:spcAft>
+                <a:spcPts val="0"/>
+              </a:spcAft>
+            </a:pPr>
+            <a:r>
+              <a:rPr lang="en-US" sz="1000" dirty="0">
+                <a:effectLst/>
+                <a:latin typeface="Courier New" panose="02070309020205020404" pitchFamily="49" charset="0"/>
+                <a:ea typeface="Calibri" panose="020F0502020204030204" pitchFamily="34" charset="0"/>
+                <a:cs typeface="Courier New" panose="02070309020205020404" pitchFamily="49" charset="0"/>
+              </a:rPr>
+              <a:t>    +-- </a:t>
+            </a:r>
+            <a:r>
+              <a:rPr lang="en-US" sz="1000" dirty="0" err="1">
+                <a:effectLst/>
+                <a:latin typeface="Courier New" panose="02070309020205020404" pitchFamily="49" charset="0"/>
+                <a:ea typeface="Calibri" panose="020F0502020204030204" pitchFamily="34" charset="0"/>
+                <a:cs typeface="Courier New" panose="02070309020205020404" pitchFamily="49" charset="0"/>
+              </a:rPr>
+              <a:t>sequenceNumber</a:t>
+            </a:r>
+            <a:r>
+              <a:rPr lang="en-US" sz="1000" dirty="0">
+                <a:effectLst/>
+                <a:latin typeface="Courier New" panose="02070309020205020404" pitchFamily="49" charset="0"/>
+                <a:ea typeface="Calibri" panose="020F0502020204030204" pitchFamily="34" charset="0"/>
+                <a:cs typeface="Courier New" panose="02070309020205020404" pitchFamily="49" charset="0"/>
+              </a:rPr>
+              <a:t>    yang:counter32</a:t>
             </a:r>
             <a:endParaRPr lang="de-CH" sz="1000" dirty="0">
               <a:latin typeface="Courier New" panose="02070309020205020404" pitchFamily="49" charset="0"/>
@@ -5723,7 +5839,7 @@
         </p:nvSpPr>
         <p:spPr>
           <a:xfrm>
-            <a:off x="838200" y="2846556"/>
+            <a:off x="259702" y="3080443"/>
             <a:ext cx="5512840" cy="3646319"/>
           </a:xfrm>
           <a:prstGeom prst="rect">
@@ -6643,10 +6759,35 @@
             </a:r>
           </a:p>
           <a:p>
+            <a:pPr marL="914400" lvl="2" indent="0">
+              <a:buNone/>
+            </a:pPr>
+            <a:r>
+              <a:rPr lang="en-US" sz="1300" dirty="0">
+                <a:latin typeface="Courier New" panose="02070309020205020404" pitchFamily="49" charset="0"/>
+                <a:cs typeface="Courier New" panose="02070309020205020404" pitchFamily="49" charset="0"/>
+              </a:rPr>
+              <a:t>urn:ietf:params:netconf:capability:notification-sysname-sequence:1.0</a:t>
+            </a:r>
+          </a:p>
+          <a:p>
             <a:pPr lvl="1"/>
             <a:r>
               <a:rPr lang="en-US" sz="1700" dirty="0"/>
-              <a:t>Section 2.2 describes new YANG-related system capabilities. Netconf notification with hostname and sequence capability is now discoverable through extended YANG-related system capabilities defined in RFC 9196.</a:t>
+              <a:t>Section 2.2 describes new YANG-related system capabilities. Netconf notification with hostname and sequence capability is now discoverable through extended YANG-related system capabilities defined in </a:t>
+            </a:r>
+            <a:br>
+              <a:rPr lang="en-US" sz="1700" dirty="0"/>
+            </a:br>
+            <a:r>
+              <a:rPr lang="en-US" sz="1700" dirty="0">
+                <a:hlinkClick r:id="rId3"/>
+              </a:rPr>
+              <a:t>RFC 9196</a:t>
+            </a:r>
+            <a:r>
+              <a:rPr lang="en-US" sz="1700" dirty="0"/>
+              <a:t>.</a:t>
             </a:r>
           </a:p>
           <a:p>

--- a/120/NETCONF/draft-tgraf-netconf-notif-sequencing-06.pptx
+++ b/120/NETCONF/draft-tgraf-netconf-notif-sequencing-06.pptx
@@ -11,7 +11,7 @@
     <p:sldId id="1041" r:id="rId2"/>
     <p:sldId id="2145706229" r:id="rId3"/>
     <p:sldId id="2145706260" r:id="rId4"/>
-    <p:sldId id="2145706251" r:id="rId5"/>
+    <p:sldId id="2145706267" r:id="rId5"/>
     <p:sldId id="2145706266" r:id="rId6"/>
   </p:sldIdLst>
   <p:sldSz cx="12192000" cy="6858000"/>
@@ -6917,7 +6917,7 @@
         </p:nvSpPr>
         <p:spPr>
           <a:xfrm>
-            <a:off x="11587892" y="6361637"/>
+            <a:off x="11587893" y="6361638"/>
             <a:ext cx="414251" cy="365125"/>
           </a:xfrm>
         </p:spPr>
@@ -6925,11 +6925,27 @@
           <a:bodyPr/>
           <a:lstStyle/>
           <a:p>
+            <a:pPr defTabSz="914377"/>
             <a:fld id="{FC4AC485-25DE-431E-B345-9C0A15BB7F8A}" type="slidenum">
-              <a:rPr lang="de-CH" sz="1400" smtClean="0"/>
+              <a:rPr lang="de-CH" sz="1400">
+                <a:solidFill>
+                  <a:prstClr val="black">
+                    <a:tint val="75000"/>
+                  </a:prstClr>
+                </a:solidFill>
+                <a:latin typeface="Calibri" panose="020F0502020204030204"/>
+              </a:rPr>
+              <a:pPr defTabSz="914377"/>
               <a:t>4</a:t>
             </a:fld>
-            <a:endParaRPr lang="de-CH" sz="1400" dirty="0"/>
+            <a:endParaRPr lang="de-CH" sz="1400" dirty="0">
+              <a:solidFill>
+                <a:prstClr val="black">
+                  <a:tint val="75000"/>
+                </a:prstClr>
+              </a:solidFill>
+              <a:latin typeface="Calibri" panose="020F0502020204030204"/>
+            </a:endParaRPr>
           </a:p>
         </p:txBody>
       </p:sp>
@@ -7000,17 +7016,11 @@
           <p:cNvGraphicFramePr>
             <a:graphicFrameLocks noGrp="1"/>
           </p:cNvGraphicFramePr>
-          <p:nvPr>
-            <p:extLst>
-              <p:ext uri="{D42A27DB-BD31-4B8C-83A1-F6EECF244321}">
-                <p14:modId xmlns:p14="http://schemas.microsoft.com/office/powerpoint/2010/main" val="3535465724"/>
-              </p:ext>
-            </p:extLst>
-          </p:nvPr>
+          <p:nvPr/>
         </p:nvGraphicFramePr>
         <p:xfrm>
-          <a:off x="942392" y="1929591"/>
-          <a:ext cx="8117632" cy="4432046"/>
+          <a:off x="942393" y="1802656"/>
+          <a:ext cx="8117633" cy="4837837"/>
         </p:xfrm>
         <a:graphic>
           <a:graphicData uri="http://schemas.openxmlformats.org/drawingml/2006/table">
@@ -7031,7 +7041,7 @@
                     </a:ext>
                   </a:extLst>
                 </a:gridCol>
-                <a:gridCol w="895738">
+                <a:gridCol w="895739">
                   <a:extLst>
                     <a:ext uri="{9D8B030D-6E8A-4147-A177-3AD203B41FA5}">
                       <a16:colId xmlns:a16="http://schemas.microsoft.com/office/drawing/2014/main" val="4030142434"/>
@@ -7771,7 +7781,14 @@
                           <a:effectLst/>
                           <a:latin typeface="+mn-lt"/>
                         </a:rPr>
-                        <a:t>RFC 8641 YANG-Push</a:t>
+                        <a:t>RFC 8639 YANG-Push </a:t>
+                      </a:r>
+                      <a:r>
+                        <a:rPr lang="de-CH" sz="2000" u="none" strike="noStrike" dirty="0" err="1">
+                          <a:effectLst/>
+                          <a:latin typeface="+mn-lt"/>
+                        </a:rPr>
+                        <a:t>Subscription</a:t>
                       </a:r>
                       <a:endParaRPr lang="de-CH" sz="2000" b="0" i="0" u="none" strike="noStrike" dirty="0">
                         <a:solidFill>
@@ -8065,13 +8082,13 @@
                     <a:p>
                       <a:pPr algn="ctr" fontAlgn="b"/>
                       <a:r>
-                        <a:rPr lang="de-CH" sz="2000" u="none" strike="noStrike">
+                        <a:rPr lang="de-CH" sz="2000" u="none" strike="noStrike" dirty="0">
                           <a:effectLst/>
                           <a:latin typeface="+mn-lt"/>
                         </a:rPr>
                         <a:t>x</a:t>
                       </a:r>
-                      <a:endParaRPr lang="de-CH" sz="2000" b="0" i="0" u="none" strike="noStrike">
+                      <a:endParaRPr lang="de-CH" sz="2000" b="0" i="0" u="none" strike="noStrike" dirty="0">
                         <a:solidFill>
                           <a:srgbClr val="000000"/>
                         </a:solidFill>
@@ -8213,16 +8230,13 @@
                     </a:lstStyle>
                     <a:p>
                       <a:pPr algn="ctr" fontAlgn="b"/>
-                      <a:r>
-                        <a:rPr lang="de-CH" sz="2000" b="0" i="0" u="none" strike="noStrike" dirty="0">
-                          <a:solidFill>
-                            <a:srgbClr val="FF0000"/>
-                          </a:solidFill>
-                          <a:effectLst/>
-                          <a:latin typeface="+mn-lt"/>
-                        </a:rPr>
-                        <a:t>x</a:t>
-                      </a:r>
+                      <a:endParaRPr lang="de-CH" sz="2000" b="0" i="0" u="none" strike="noStrike" dirty="0">
+                        <a:solidFill>
+                          <a:srgbClr val="FF0000"/>
+                        </a:solidFill>
+                        <a:effectLst/>
+                        <a:latin typeface="+mn-lt"/>
+                      </a:endParaRPr>
                     </a:p>
                   </a:txBody>
                   <a:tcPr marL="9525" marR="9525" marT="9525" marB="0" anchor="b">
@@ -8264,6 +8278,336 @@
                 <a:extLst>
                   <a:ext uri="{0D108BD9-81ED-4DB2-BD59-A6C34878D82A}">
                     <a16:rowId xmlns:a16="http://schemas.microsoft.com/office/drawing/2014/main" val="3444263626"/>
+                  </a:ext>
+                </a:extLst>
+              </a:tr>
+              <a:tr h="405791">
+                <a:tc>
+                  <a:txBody>
+                    <a:bodyPr/>
+                    <a:lstStyle/>
+                    <a:p>
+                      <a:pPr marL="91440" algn="l" fontAlgn="b"/>
+                      <a:r>
+                        <a:rPr lang="de-CH" sz="2000" u="none" strike="noStrike" dirty="0">
+                          <a:effectLst/>
+                          <a:latin typeface="+mn-lt"/>
+                        </a:rPr>
+                        <a:t>RFC 8641 YANG-Push </a:t>
+                      </a:r>
+                      <a:r>
+                        <a:rPr lang="de-CH" sz="2000" u="none" strike="noStrike" dirty="0" err="1">
+                          <a:effectLst/>
+                          <a:latin typeface="+mn-lt"/>
+                        </a:rPr>
+                        <a:t>Notification</a:t>
+                      </a:r>
+                      <a:endParaRPr lang="de-CH" sz="2000" b="0" i="0" u="none" strike="noStrike" dirty="0">
+                        <a:solidFill>
+                          <a:srgbClr val="000000"/>
+                        </a:solidFill>
+                        <a:effectLst/>
+                        <a:latin typeface="+mn-lt"/>
+                      </a:endParaRPr>
+                    </a:p>
+                  </a:txBody>
+                  <a:tcPr marL="9525" marR="9525" marT="9525" marB="0" anchor="b">
+                    <a:lnL w="12700" cmpd="sng">
+                      <a:solidFill>
+                        <a:srgbClr val="FFFFFF"/>
+                      </a:solidFill>
+                    </a:lnL>
+                    <a:lnR w="12700" cap="flat" cmpd="sng" algn="ctr">
+                      <a:solidFill>
+                        <a:srgbClr val="FFFFFF"/>
+                      </a:solidFill>
+                      <a:prstDash val="solid"/>
+                      <a:round/>
+                      <a:headEnd type="none" w="med" len="med"/>
+                      <a:tailEnd type="none" w="med" len="med"/>
+                    </a:lnR>
+                    <a:lnT w="12700" cap="flat" cmpd="sng" algn="ctr">
+                      <a:solidFill>
+                        <a:srgbClr val="FFFFFF"/>
+                      </a:solidFill>
+                      <a:prstDash val="solid"/>
+                      <a:round/>
+                      <a:headEnd type="none" w="med" len="med"/>
+                      <a:tailEnd type="none" w="med" len="med"/>
+                    </a:lnT>
+                    <a:lnB w="12700" cmpd="sng">
+                      <a:solidFill>
+                        <a:srgbClr val="FFFFFF"/>
+                      </a:solidFill>
+                    </a:lnB>
+                    <a:lnTlToBr w="12700" cmpd="sng">
+                      <a:noFill/>
+                      <a:prstDash val="solid"/>
+                    </a:lnTlToBr>
+                    <a:lnBlToTr w="12700" cmpd="sng">
+                      <a:noFill/>
+                      <a:prstDash val="solid"/>
+                    </a:lnBlToTr>
+                    <a:solidFill>
+                      <a:srgbClr val="8064A2">
+                        <a:tint val="20000"/>
+                      </a:srgbClr>
+                    </a:solidFill>
+                  </a:tcPr>
+                </a:tc>
+                <a:tc>
+                  <a:txBody>
+                    <a:bodyPr/>
+                    <a:lstStyle/>
+                    <a:p>
+                      <a:pPr marL="0" marR="0" lvl="0" indent="0" algn="ctr" defTabSz="685800" rtl="0" eaLnBrk="1" fontAlgn="b" latinLnBrk="0" hangingPunct="1">
+                        <a:lnSpc>
+                          <a:spcPct val="100000"/>
+                        </a:lnSpc>
+                        <a:spcBef>
+                          <a:spcPts val="0"/>
+                        </a:spcBef>
+                        <a:spcAft>
+                          <a:spcPts val="0"/>
+                        </a:spcAft>
+                        <a:buClrTx/>
+                        <a:buSzTx/>
+                        <a:buFontTx/>
+                        <a:buNone/>
+                        <a:tabLst/>
+                        <a:defRPr/>
+                      </a:pPr>
+                      <a:r>
+                        <a:rPr lang="de-CH" sz="2000" u="none" strike="noStrike" dirty="0">
+                          <a:effectLst/>
+                          <a:latin typeface="+mn-lt"/>
+                        </a:rPr>
+                        <a:t>x</a:t>
+                      </a:r>
+                      <a:endParaRPr lang="de-CH" sz="2000" b="0" i="0" u="none" strike="noStrike" dirty="0">
+                        <a:solidFill>
+                          <a:srgbClr val="000000"/>
+                        </a:solidFill>
+                        <a:effectLst/>
+                        <a:latin typeface="+mn-lt"/>
+                      </a:endParaRPr>
+                    </a:p>
+                  </a:txBody>
+                  <a:tcPr marL="9525" marR="9525" marT="9525" marB="0" anchor="b">
+                    <a:lnL w="12700" cap="flat" cmpd="sng" algn="ctr">
+                      <a:solidFill>
+                        <a:srgbClr val="FFFFFF"/>
+                      </a:solidFill>
+                      <a:prstDash val="solid"/>
+                      <a:round/>
+                      <a:headEnd type="none" w="med" len="med"/>
+                      <a:tailEnd type="none" w="med" len="med"/>
+                    </a:lnL>
+                    <a:lnR w="12700" cap="flat" cmpd="sng" algn="ctr">
+                      <a:solidFill>
+                        <a:srgbClr val="FFFFFF"/>
+                      </a:solidFill>
+                      <a:prstDash val="solid"/>
+                      <a:round/>
+                      <a:headEnd type="none" w="med" len="med"/>
+                      <a:tailEnd type="none" w="med" len="med"/>
+                    </a:lnR>
+                    <a:lnT w="12700" cap="flat" cmpd="sng" algn="ctr">
+                      <a:solidFill>
+                        <a:srgbClr val="FFFFFF"/>
+                      </a:solidFill>
+                      <a:prstDash val="solid"/>
+                      <a:round/>
+                      <a:headEnd type="none" w="med" len="med"/>
+                      <a:tailEnd type="none" w="med" len="med"/>
+                    </a:lnT>
+                    <a:lnB w="12700" cmpd="sng">
+                      <a:solidFill>
+                        <a:srgbClr val="FFFFFF"/>
+                      </a:solidFill>
+                    </a:lnB>
+                    <a:lnTlToBr w="12700" cmpd="sng">
+                      <a:noFill/>
+                      <a:prstDash val="solid"/>
+                    </a:lnTlToBr>
+                    <a:lnBlToTr w="12700" cmpd="sng">
+                      <a:noFill/>
+                      <a:prstDash val="solid"/>
+                    </a:lnBlToTr>
+                    <a:solidFill>
+                      <a:srgbClr val="8064A2">
+                        <a:tint val="20000"/>
+                      </a:srgbClr>
+                    </a:solidFill>
+                  </a:tcPr>
+                </a:tc>
+                <a:tc>
+                  <a:txBody>
+                    <a:bodyPr/>
+                    <a:lstStyle/>
+                    <a:p>
+                      <a:pPr marL="0" marR="0" lvl="0" indent="0" algn="ctr" defTabSz="685800" rtl="0" eaLnBrk="1" fontAlgn="b" latinLnBrk="0" hangingPunct="1">
+                        <a:lnSpc>
+                          <a:spcPct val="100000"/>
+                        </a:lnSpc>
+                        <a:spcBef>
+                          <a:spcPts val="0"/>
+                        </a:spcBef>
+                        <a:spcAft>
+                          <a:spcPts val="0"/>
+                        </a:spcAft>
+                        <a:buClrTx/>
+                        <a:buSzTx/>
+                        <a:buFontTx/>
+                        <a:buNone/>
+                        <a:tabLst/>
+                        <a:defRPr/>
+                      </a:pPr>
+                      <a:r>
+                        <a:rPr lang="de-CH" sz="2000" u="none" strike="noStrike" dirty="0">
+                          <a:effectLst/>
+                          <a:latin typeface="+mn-lt"/>
+                        </a:rPr>
+                        <a:t>x</a:t>
+                      </a:r>
+                      <a:endParaRPr lang="de-CH" sz="2000" b="0" i="0" u="none" strike="noStrike" dirty="0">
+                        <a:solidFill>
+                          <a:srgbClr val="000000"/>
+                        </a:solidFill>
+                        <a:effectLst/>
+                        <a:latin typeface="+mn-lt"/>
+                      </a:endParaRPr>
+                    </a:p>
+                  </a:txBody>
+                  <a:tcPr marL="9525" marR="9525" marT="9525" marB="0" anchor="b">
+                    <a:lnL w="12700" cap="flat" cmpd="sng" algn="ctr">
+                      <a:solidFill>
+                        <a:srgbClr val="FFFFFF"/>
+                      </a:solidFill>
+                      <a:prstDash val="solid"/>
+                      <a:round/>
+                      <a:headEnd type="none" w="med" len="med"/>
+                      <a:tailEnd type="none" w="med" len="med"/>
+                    </a:lnL>
+                    <a:lnR w="12700" cap="flat" cmpd="sng" algn="ctr">
+                      <a:solidFill>
+                        <a:srgbClr val="FFFFFF"/>
+                      </a:solidFill>
+                      <a:prstDash val="solid"/>
+                      <a:round/>
+                      <a:headEnd type="none" w="med" len="med"/>
+                      <a:tailEnd type="none" w="med" len="med"/>
+                    </a:lnR>
+                    <a:lnT w="12700" cap="flat" cmpd="sng" algn="ctr">
+                      <a:solidFill>
+                        <a:srgbClr val="FFFFFF"/>
+                      </a:solidFill>
+                      <a:prstDash val="solid"/>
+                      <a:round/>
+                      <a:headEnd type="none" w="med" len="med"/>
+                      <a:tailEnd type="none" w="med" len="med"/>
+                    </a:lnT>
+                    <a:lnB w="12700" cmpd="sng">
+                      <a:solidFill>
+                        <a:srgbClr val="FFFFFF"/>
+                      </a:solidFill>
+                    </a:lnB>
+                    <a:lnTlToBr w="12700" cmpd="sng">
+                      <a:noFill/>
+                      <a:prstDash val="solid"/>
+                    </a:lnTlToBr>
+                    <a:lnBlToTr w="12700" cmpd="sng">
+                      <a:noFill/>
+                      <a:prstDash val="solid"/>
+                    </a:lnBlToTr>
+                    <a:solidFill>
+                      <a:srgbClr val="8064A2">
+                        <a:tint val="20000"/>
+                      </a:srgbClr>
+                    </a:solidFill>
+                  </a:tcPr>
+                </a:tc>
+                <a:tc>
+                  <a:txBody>
+                    <a:bodyPr/>
+                    <a:lstStyle/>
+                    <a:p>
+                      <a:pPr marL="0" marR="0" lvl="0" indent="0" algn="ctr" defTabSz="685800" rtl="0" eaLnBrk="1" fontAlgn="b" latinLnBrk="0" hangingPunct="1">
+                        <a:lnSpc>
+                          <a:spcPct val="100000"/>
+                        </a:lnSpc>
+                        <a:spcBef>
+                          <a:spcPts val="0"/>
+                        </a:spcBef>
+                        <a:spcAft>
+                          <a:spcPts val="0"/>
+                        </a:spcAft>
+                        <a:buClrTx/>
+                        <a:buSzTx/>
+                        <a:buFontTx/>
+                        <a:buNone/>
+                        <a:tabLst/>
+                        <a:defRPr/>
+                      </a:pPr>
+                      <a:r>
+                        <a:rPr lang="de-CH" sz="2000" b="0" i="0" u="none" strike="noStrike" dirty="0">
+                          <a:solidFill>
+                            <a:srgbClr val="FF0000"/>
+                          </a:solidFill>
+                          <a:effectLst/>
+                          <a:latin typeface="+mn-lt"/>
+                        </a:rPr>
+                        <a:t>x</a:t>
+                      </a:r>
+                    </a:p>
+                  </a:txBody>
+                  <a:tcPr marL="9525" marR="9525" marT="9525" marB="0" anchor="b">
+                    <a:lnL w="12700" cap="flat" cmpd="sng" algn="ctr">
+                      <a:solidFill>
+                        <a:srgbClr val="FFFFFF"/>
+                      </a:solidFill>
+                      <a:prstDash val="solid"/>
+                      <a:round/>
+                      <a:headEnd type="none" w="med" len="med"/>
+                      <a:tailEnd type="none" w="med" len="med"/>
+                    </a:lnL>
+                    <a:lnR w="12700" cmpd="sng">
+                      <a:solidFill>
+                        <a:srgbClr val="FFFFFF"/>
+                      </a:solidFill>
+                    </a:lnR>
+                    <a:lnT w="12700" cap="flat" cmpd="sng" algn="ctr">
+                      <a:solidFill>
+                        <a:srgbClr val="FFFFFF"/>
+                      </a:solidFill>
+                      <a:prstDash val="solid"/>
+                      <a:round/>
+                      <a:headEnd type="none" w="med" len="med"/>
+                      <a:tailEnd type="none" w="med" len="med"/>
+                    </a:lnT>
+                    <a:lnB w="12700" cmpd="sng">
+                      <a:solidFill>
+                        <a:srgbClr val="FFFFFF"/>
+                      </a:solidFill>
+                    </a:lnB>
+                    <a:lnTlToBr w="12700" cmpd="sng">
+                      <a:noFill/>
+                      <a:prstDash val="solid"/>
+                    </a:lnTlToBr>
+                    <a:lnBlToTr w="12700" cmpd="sng">
+                      <a:noFill/>
+                      <a:prstDash val="solid"/>
+                    </a:lnBlToTr>
+                    <a:solidFill>
+                      <a:srgbClr val="8064A2">
+                        <a:tint val="20000"/>
+                      </a:srgbClr>
+                    </a:solidFill>
+                  </a:tcPr>
+                </a:tc>
+                <a:extLst>
+                  <a:ext uri="{0D108BD9-81ED-4DB2-BD59-A6C34878D82A}">
+                    <a16:rowId xmlns:a16="http://schemas.microsoft.com/office/drawing/2014/main" val="3113070191"/>
                   </a:ext>
                 </a:extLst>
               </a:tr>
@@ -13391,7 +13735,7 @@
         </p:blipFill>
         <p:spPr>
           <a:xfrm>
-            <a:off x="9266108" y="1802655"/>
+            <a:off x="9266109" y="1802655"/>
             <a:ext cx="2666708" cy="2666708"/>
           </a:xfrm>
           <a:prstGeom prst="rect">
@@ -13402,7 +13746,7 @@
     </p:spTree>
     <p:extLst>
       <p:ext uri="{BB962C8B-B14F-4D97-AF65-F5344CB8AC3E}">
-        <p14:creationId xmlns:p14="http://schemas.microsoft.com/office/powerpoint/2010/main" val="2799895506"/>
+        <p14:creationId xmlns:p14="http://schemas.microsoft.com/office/powerpoint/2010/main" val="439689082"/>
       </p:ext>
     </p:extLst>
   </p:cSld>
